--- a/reference.pptx
+++ b/reference.pptx
@@ -3054,9 +3054,12 @@
 <p:sldMaster xmlns:a="http://schemas.openxmlformats.org/drawingml/2006/main" xmlns:r="http://schemas.openxmlformats.org/officeDocument/2006/relationships" xmlns:p="http://schemas.openxmlformats.org/presentationml/2006/main">
   <p:cSld>
     <p:bg>
-      <p:bgRef idx="1001">
-        <a:schemeClr val="bg2"/>
-      </p:bgRef>
+      <p:bgPr>
+        <a:solidFill>
+          <a:srgbClr val="002060"/>
+        </a:solidFill>
+        <a:effectLst/>
+      </p:bgPr>
     </p:bg>
     <p:spTree>
       <p:nvGrpSpPr>
@@ -3426,7 +3429,7 @@
         </a:spcBef>
         <a:buFont typeface="Arial"/>
         <a:buChar char="•"/>
-        <a:defRPr sz="2000" kern="1200">
+        <a:defRPr sz="1800" kern="1200">
           <a:solidFill>
             <a:schemeClr val="tx1"/>
           </a:solidFill>
@@ -3441,7 +3444,7 @@
         </a:spcBef>
         <a:buFont typeface="Arial"/>
         <a:buChar char="–"/>
-        <a:defRPr sz="2000" kern="1200">
+        <a:defRPr sz="1800" kern="1200">
           <a:solidFill>
             <a:schemeClr val="tx1"/>
           </a:solidFill>
@@ -3456,7 +3459,7 @@
         </a:spcBef>
         <a:buFont typeface="Arial"/>
         <a:buChar char="•"/>
-        <a:defRPr sz="1600" kern="1200">
+        <a:defRPr sz="1400" kern="1200">
           <a:solidFill>
             <a:schemeClr val="tx1"/>
           </a:solidFill>
@@ -3471,7 +3474,7 @@
         </a:spcBef>
         <a:buFont typeface="Arial"/>
         <a:buChar char="–"/>
-        <a:defRPr sz="1400" kern="1200">
+        <a:defRPr sz="1200" kern="1200">
           <a:solidFill>
             <a:schemeClr val="tx1"/>
           </a:solidFill>
@@ -3486,7 +3489,7 @@
         </a:spcBef>
         <a:buFont typeface="Arial"/>
         <a:buChar char="»"/>
-        <a:defRPr sz="1400" kern="1200">
+        <a:defRPr sz="1200" kern="1200">
           <a:solidFill>
             <a:schemeClr val="tx1"/>
           </a:solidFill>

--- a/reference.pptx
+++ b/reference.pptx
@@ -3056,7 +3056,7 @@
     <p:bg>
       <p:bgPr>
         <a:solidFill>
-          <a:srgbClr val="002060"/>
+          <a:srgbClr val="07182D"/>
         </a:solidFill>
         <a:effectLst/>
       </p:bgPr>
@@ -3259,7 +3259,7 @@
         <p:spPr>
           <a:xfrm>
             <a:off x="6553200" y="4767263"/>
-            <a:ext cx="2133600" cy="273844"/>
+            <a:ext cx="1522719" cy="330132"/>
           </a:xfrm>
           <a:prstGeom prst="rect">
             <a:avLst/>
@@ -3376,14 +3376,50 @@
         </p:blipFill>
         <p:spPr>
           <a:xfrm>
-            <a:off x="8712614" y="4685440"/>
-            <a:ext cx="411955" cy="411955"/>
+            <a:off x="8651366" y="4698107"/>
+            <a:ext cx="330132" cy="330132"/>
           </a:xfrm>
           <a:prstGeom prst="rect">
             <a:avLst/>
           </a:prstGeom>
         </p:spPr>
       </p:pic>
+      <p:sp>
+        <p:nvSpPr>
+          <p:cNvPr id="8" name="TextBox 7">
+            <a:extLst>
+              <a:ext uri="{FF2B5EF4-FFF2-40B4-BE49-F238E27FC236}">
+                <a16:creationId xmlns:a16="http://schemas.microsoft.com/office/drawing/2014/main" id="{DC76BA8F-1A42-80DA-9F32-925F86A1F262}"/>
+              </a:ext>
+            </a:extLst>
+          </p:cNvPr>
+          <p:cNvSpPr txBox="1"/>
+          <p:nvPr userDrawn="1"/>
+        </p:nvSpPr>
+        <p:spPr>
+          <a:xfrm>
+            <a:off x="8392315" y="4974326"/>
+            <a:ext cx="827885" cy="184666"/>
+          </a:xfrm>
+          <a:prstGeom prst="rect">
+            <a:avLst/>
+          </a:prstGeom>
+          <a:noFill/>
+        </p:spPr>
+        <p:txBody>
+          <a:bodyPr wrap="square" rtlCol="0">
+            <a:spAutoFit/>
+          </a:bodyPr>
+          <a:lstStyle/>
+          <a:p>
+            <a:pPr algn="ctr"/>
+            <a:r>
+              <a:rPr lang="en-IN" sz="600" dirty="0"/>
+              <a:t>Cisco Confidential</a:t>
+            </a:r>
+          </a:p>
+        </p:txBody>
+      </p:sp>
     </p:spTree>
     <p:extLst>
       <p:ext uri="{BB962C8B-B14F-4D97-AF65-F5344CB8AC3E}">
